--- a/ISEC EMOSA.pptx
+++ b/ISEC EMOSA.pptx
@@ -204,7 +204,7 @@
           <a:p>
             <a:fld id="{8A15159C-0D18-4CC2-B596-ACEC5154EF3C}" type="datetimeFigureOut">
               <a:rPr lang="en-US" smtClean="0"/>
-              <a:t>3/14/2013</a:t>
+              <a:t>3/24/2013</a:t>
             </a:fld>
             <a:endParaRPr lang="en-US"/>
           </a:p>
@@ -759,7 +759,7 @@
             <a:fld id="{1D8BD707-D9CF-40AE-B4C6-C98DA3205C09}" type="datetimeFigureOut">
               <a:rPr lang="en-US" smtClean="0"/>
               <a:pPr/>
-              <a:t>3/14/2013</a:t>
+              <a:t>3/24/2013</a:t>
             </a:fld>
             <a:endParaRPr lang="en-US"/>
           </a:p>
@@ -813,11 +813,11 @@
   <p:clrMapOvr>
     <a:masterClrMapping/>
   </p:clrMapOvr>
-  <mc:AlternateContent xmlns:mc="http://schemas.openxmlformats.org/markup-compatibility/2006">
-    <mc:Choice xmlns:p14="http://schemas.microsoft.com/office/powerpoint/2010/main" Requires="p14">
+  <mc:AlternateContent xmlns:mc="http://schemas.openxmlformats.org/markup-compatibility/2006" xmlns:p14="http://schemas.microsoft.com/office/powerpoint/2010/main">
+    <mc:Choice Requires="p14">
       <p:transition p14:dur="0"/>
     </mc:Choice>
-    <mc:Fallback>
+    <mc:Fallback xmlns="">
       <p:transition/>
     </mc:Fallback>
   </mc:AlternateContent>
@@ -934,7 +934,7 @@
             <a:fld id="{1D8BD707-D9CF-40AE-B4C6-C98DA3205C09}" type="datetimeFigureOut">
               <a:rPr lang="en-US" smtClean="0"/>
               <a:pPr/>
-              <a:t>3/14/2013</a:t>
+              <a:t>3/24/2013</a:t>
             </a:fld>
             <a:endParaRPr lang="en-US"/>
           </a:p>
@@ -988,11 +988,11 @@
   <p:clrMapOvr>
     <a:masterClrMapping/>
   </p:clrMapOvr>
-  <mc:AlternateContent xmlns:mc="http://schemas.openxmlformats.org/markup-compatibility/2006">
-    <mc:Choice xmlns:p14="http://schemas.microsoft.com/office/powerpoint/2010/main" Requires="p14">
+  <mc:AlternateContent xmlns:mc="http://schemas.openxmlformats.org/markup-compatibility/2006" xmlns:p14="http://schemas.microsoft.com/office/powerpoint/2010/main">
+    <mc:Choice Requires="p14">
       <p:transition p14:dur="0"/>
     </mc:Choice>
-    <mc:Fallback>
+    <mc:Fallback xmlns="">
       <p:transition/>
     </mc:Fallback>
   </mc:AlternateContent>
@@ -1119,7 +1119,7 @@
             <a:fld id="{1D8BD707-D9CF-40AE-B4C6-C98DA3205C09}" type="datetimeFigureOut">
               <a:rPr lang="en-US" smtClean="0"/>
               <a:pPr/>
-              <a:t>3/14/2013</a:t>
+              <a:t>3/24/2013</a:t>
             </a:fld>
             <a:endParaRPr lang="en-US"/>
           </a:p>
@@ -1173,11 +1173,11 @@
   <p:clrMapOvr>
     <a:masterClrMapping/>
   </p:clrMapOvr>
-  <mc:AlternateContent xmlns:mc="http://schemas.openxmlformats.org/markup-compatibility/2006">
-    <mc:Choice xmlns:p14="http://schemas.microsoft.com/office/powerpoint/2010/main" Requires="p14">
+  <mc:AlternateContent xmlns:mc="http://schemas.openxmlformats.org/markup-compatibility/2006" xmlns:p14="http://schemas.microsoft.com/office/powerpoint/2010/main">
+    <mc:Choice Requires="p14">
       <p:transition p14:dur="0"/>
     </mc:Choice>
-    <mc:Fallback>
+    <mc:Fallback xmlns="">
       <p:transition/>
     </mc:Fallback>
   </mc:AlternateContent>
@@ -1294,7 +1294,7 @@
             <a:fld id="{1D8BD707-D9CF-40AE-B4C6-C98DA3205C09}" type="datetimeFigureOut">
               <a:rPr lang="en-US" smtClean="0"/>
               <a:pPr/>
-              <a:t>3/14/2013</a:t>
+              <a:t>3/24/2013</a:t>
             </a:fld>
             <a:endParaRPr lang="en-US"/>
           </a:p>
@@ -1348,11 +1348,11 @@
   <p:clrMapOvr>
     <a:masterClrMapping/>
   </p:clrMapOvr>
-  <mc:AlternateContent xmlns:mc="http://schemas.openxmlformats.org/markup-compatibility/2006">
-    <mc:Choice xmlns:p14="http://schemas.microsoft.com/office/powerpoint/2010/main" Requires="p14">
+  <mc:AlternateContent xmlns:mc="http://schemas.openxmlformats.org/markup-compatibility/2006" xmlns:p14="http://schemas.microsoft.com/office/powerpoint/2010/main">
+    <mc:Choice Requires="p14">
       <p:transition p14:dur="0"/>
     </mc:Choice>
-    <mc:Fallback>
+    <mc:Fallback xmlns="">
       <p:transition/>
     </mc:Fallback>
   </mc:AlternateContent>
@@ -1545,7 +1545,7 @@
             <a:fld id="{1D8BD707-D9CF-40AE-B4C6-C98DA3205C09}" type="datetimeFigureOut">
               <a:rPr lang="en-US" smtClean="0"/>
               <a:pPr/>
-              <a:t>3/14/2013</a:t>
+              <a:t>3/24/2013</a:t>
             </a:fld>
             <a:endParaRPr lang="en-US"/>
           </a:p>
@@ -1599,11 +1599,11 @@
   <p:clrMapOvr>
     <a:masterClrMapping/>
   </p:clrMapOvr>
-  <mc:AlternateContent xmlns:mc="http://schemas.openxmlformats.org/markup-compatibility/2006">
-    <mc:Choice xmlns:p14="http://schemas.microsoft.com/office/powerpoint/2010/main" Requires="p14">
+  <mc:AlternateContent xmlns:mc="http://schemas.openxmlformats.org/markup-compatibility/2006" xmlns:p14="http://schemas.microsoft.com/office/powerpoint/2010/main">
+    <mc:Choice Requires="p14">
       <p:transition p14:dur="0"/>
     </mc:Choice>
-    <mc:Fallback>
+    <mc:Fallback xmlns="">
       <p:transition/>
     </mc:Fallback>
   </mc:AlternateContent>
@@ -1838,7 +1838,7 @@
             <a:fld id="{1D8BD707-D9CF-40AE-B4C6-C98DA3205C09}" type="datetimeFigureOut">
               <a:rPr lang="en-US" smtClean="0"/>
               <a:pPr/>
-              <a:t>3/14/2013</a:t>
+              <a:t>3/24/2013</a:t>
             </a:fld>
             <a:endParaRPr lang="en-US"/>
           </a:p>
@@ -1892,11 +1892,11 @@
   <p:clrMapOvr>
     <a:masterClrMapping/>
   </p:clrMapOvr>
-  <mc:AlternateContent xmlns:mc="http://schemas.openxmlformats.org/markup-compatibility/2006">
-    <mc:Choice xmlns:p14="http://schemas.microsoft.com/office/powerpoint/2010/main" Requires="p14">
+  <mc:AlternateContent xmlns:mc="http://schemas.openxmlformats.org/markup-compatibility/2006" xmlns:p14="http://schemas.microsoft.com/office/powerpoint/2010/main">
+    <mc:Choice Requires="p14">
       <p:transition p14:dur="0"/>
     </mc:Choice>
-    <mc:Fallback>
+    <mc:Fallback xmlns="">
       <p:transition/>
     </mc:Fallback>
   </mc:AlternateContent>
@@ -2265,7 +2265,7 @@
             <a:fld id="{1D8BD707-D9CF-40AE-B4C6-C98DA3205C09}" type="datetimeFigureOut">
               <a:rPr lang="en-US" smtClean="0"/>
               <a:pPr/>
-              <a:t>3/14/2013</a:t>
+              <a:t>3/24/2013</a:t>
             </a:fld>
             <a:endParaRPr lang="en-US"/>
           </a:p>
@@ -2319,11 +2319,11 @@
   <p:clrMapOvr>
     <a:masterClrMapping/>
   </p:clrMapOvr>
-  <mc:AlternateContent xmlns:mc="http://schemas.openxmlformats.org/markup-compatibility/2006">
-    <mc:Choice xmlns:p14="http://schemas.microsoft.com/office/powerpoint/2010/main" Requires="p14">
+  <mc:AlternateContent xmlns:mc="http://schemas.openxmlformats.org/markup-compatibility/2006" xmlns:p14="http://schemas.microsoft.com/office/powerpoint/2010/main">
+    <mc:Choice Requires="p14">
       <p:transition p14:dur="0"/>
     </mc:Choice>
-    <mc:Fallback>
+    <mc:Fallback xmlns="">
       <p:transition/>
     </mc:Fallback>
   </mc:AlternateContent>
@@ -2388,7 +2388,7 @@
             <a:fld id="{1D8BD707-D9CF-40AE-B4C6-C98DA3205C09}" type="datetimeFigureOut">
               <a:rPr lang="en-US" smtClean="0"/>
               <a:pPr/>
-              <a:t>3/14/2013</a:t>
+              <a:t>3/24/2013</a:t>
             </a:fld>
             <a:endParaRPr lang="en-US"/>
           </a:p>
@@ -2442,11 +2442,11 @@
   <p:clrMapOvr>
     <a:masterClrMapping/>
   </p:clrMapOvr>
-  <mc:AlternateContent xmlns:mc="http://schemas.openxmlformats.org/markup-compatibility/2006">
-    <mc:Choice xmlns:p14="http://schemas.microsoft.com/office/powerpoint/2010/main" Requires="p14">
+  <mc:AlternateContent xmlns:mc="http://schemas.openxmlformats.org/markup-compatibility/2006" xmlns:p14="http://schemas.microsoft.com/office/powerpoint/2010/main">
+    <mc:Choice Requires="p14">
       <p:transition p14:dur="0"/>
     </mc:Choice>
-    <mc:Fallback>
+    <mc:Fallback xmlns="">
       <p:transition/>
     </mc:Fallback>
   </mc:AlternateContent>
@@ -2488,7 +2488,7 @@
             <a:fld id="{1D8BD707-D9CF-40AE-B4C6-C98DA3205C09}" type="datetimeFigureOut">
               <a:rPr lang="en-US" smtClean="0"/>
               <a:pPr/>
-              <a:t>3/14/2013</a:t>
+              <a:t>3/24/2013</a:t>
             </a:fld>
             <a:endParaRPr lang="en-US"/>
           </a:p>
@@ -2542,11 +2542,11 @@
   <p:clrMapOvr>
     <a:masterClrMapping/>
   </p:clrMapOvr>
-  <mc:AlternateContent xmlns:mc="http://schemas.openxmlformats.org/markup-compatibility/2006">
-    <mc:Choice xmlns:p14="http://schemas.microsoft.com/office/powerpoint/2010/main" Requires="p14">
+  <mc:AlternateContent xmlns:mc="http://schemas.openxmlformats.org/markup-compatibility/2006" xmlns:p14="http://schemas.microsoft.com/office/powerpoint/2010/main">
+    <mc:Choice Requires="p14">
       <p:transition p14:dur="0"/>
     </mc:Choice>
-    <mc:Fallback>
+    <mc:Fallback xmlns="">
       <p:transition/>
     </mc:Fallback>
   </mc:AlternateContent>
@@ -2770,7 +2770,7 @@
             <a:fld id="{1D8BD707-D9CF-40AE-B4C6-C98DA3205C09}" type="datetimeFigureOut">
               <a:rPr lang="en-US" smtClean="0"/>
               <a:pPr/>
-              <a:t>3/14/2013</a:t>
+              <a:t>3/24/2013</a:t>
             </a:fld>
             <a:endParaRPr lang="en-US"/>
           </a:p>
@@ -2824,11 +2824,11 @@
   <p:clrMapOvr>
     <a:masterClrMapping/>
   </p:clrMapOvr>
-  <mc:AlternateContent xmlns:mc="http://schemas.openxmlformats.org/markup-compatibility/2006">
-    <mc:Choice xmlns:p14="http://schemas.microsoft.com/office/powerpoint/2010/main" Requires="p14">
+  <mc:AlternateContent xmlns:mc="http://schemas.openxmlformats.org/markup-compatibility/2006" xmlns:p14="http://schemas.microsoft.com/office/powerpoint/2010/main">
+    <mc:Choice Requires="p14">
       <p:transition p14:dur="0"/>
     </mc:Choice>
-    <mc:Fallback>
+    <mc:Fallback xmlns="">
       <p:transition/>
     </mc:Fallback>
   </mc:AlternateContent>
@@ -3028,7 +3028,7 @@
             <a:fld id="{1D8BD707-D9CF-40AE-B4C6-C98DA3205C09}" type="datetimeFigureOut">
               <a:rPr lang="en-US" smtClean="0"/>
               <a:pPr/>
-              <a:t>3/14/2013</a:t>
+              <a:t>3/24/2013</a:t>
             </a:fld>
             <a:endParaRPr lang="en-US"/>
           </a:p>
@@ -3082,11 +3082,11 @@
   <p:clrMapOvr>
     <a:masterClrMapping/>
   </p:clrMapOvr>
-  <mc:AlternateContent xmlns:mc="http://schemas.openxmlformats.org/markup-compatibility/2006">
-    <mc:Choice xmlns:p14="http://schemas.microsoft.com/office/powerpoint/2010/main" Requires="p14">
+  <mc:AlternateContent xmlns:mc="http://schemas.openxmlformats.org/markup-compatibility/2006" xmlns:p14="http://schemas.microsoft.com/office/powerpoint/2010/main">
+    <mc:Choice Requires="p14">
       <p:transition p14:dur="0"/>
     </mc:Choice>
-    <mc:Fallback>
+    <mc:Fallback xmlns="">
       <p:transition/>
     </mc:Fallback>
   </mc:AlternateContent>
@@ -3246,7 +3246,7 @@
             <a:fld id="{1D8BD707-D9CF-40AE-B4C6-C98DA3205C09}" type="datetimeFigureOut">
               <a:rPr lang="en-US" smtClean="0"/>
               <a:pPr/>
-              <a:t>3/14/2013</a:t>
+              <a:t>3/24/2013</a:t>
             </a:fld>
             <a:endParaRPr lang="en-US"/>
           </a:p>
@@ -3347,11 +3347,11 @@
     <p:sldLayoutId id="2147483658" r:id="rId10"/>
     <p:sldLayoutId id="2147483659" r:id="rId11"/>
   </p:sldLayoutIdLst>
-  <mc:AlternateContent xmlns:mc="http://schemas.openxmlformats.org/markup-compatibility/2006">
-    <mc:Choice xmlns:p14="http://schemas.microsoft.com/office/powerpoint/2010/main" Requires="p14">
+  <mc:AlternateContent xmlns:mc="http://schemas.openxmlformats.org/markup-compatibility/2006" xmlns:p14="http://schemas.microsoft.com/office/powerpoint/2010/main">
+    <mc:Choice Requires="p14">
       <p:transition p14:dur="0"/>
     </mc:Choice>
-    <mc:Fallback>
+    <mc:Fallback xmlns="">
       <p:transition/>
     </mc:Fallback>
   </mc:AlternateContent>
@@ -3665,11 +3665,11 @@
   <p:clrMapOvr>
     <a:masterClrMapping/>
   </p:clrMapOvr>
-  <mc:AlternateContent xmlns:mc="http://schemas.openxmlformats.org/markup-compatibility/2006">
-    <mc:Choice xmlns:p14="http://schemas.microsoft.com/office/powerpoint/2010/main" Requires="p14">
+  <mc:AlternateContent xmlns:mc="http://schemas.openxmlformats.org/markup-compatibility/2006" xmlns:p14="http://schemas.microsoft.com/office/powerpoint/2010/main">
+    <mc:Choice Requires="p14">
       <p:transition p14:dur="0"/>
     </mc:Choice>
-    <mc:Fallback>
+    <mc:Fallback xmlns="">
       <p:transition/>
     </mc:Fallback>
   </mc:AlternateContent>
@@ -3888,7 +3888,7 @@
           <a:graphicData uri="http://schemas.openxmlformats.org/presentationml/2006/ole">
             <mc:AlternateContent xmlns:mc="http://schemas.openxmlformats.org/markup-compatibility/2006">
               <mc:Choice xmlns:v="urn:schemas-microsoft-com:vml" Requires="v">
-                <p:oleObj spid="_x0000_s48184" name="Equation" r:id="rId7" imgW="3263760" imgH="787320" progId="Equation.DSMT4">
+                <p:oleObj spid="_x0000_s48189" name="Equation" r:id="rId7" imgW="3263760" imgH="787320" progId="Equation.DSMT4">
                   <p:embed/>
                 </p:oleObj>
               </mc:Choice>
@@ -3952,7 +3952,7 @@
           <a:graphicData uri="http://schemas.openxmlformats.org/presentationml/2006/ole">
             <mc:AlternateContent xmlns:mc="http://schemas.openxmlformats.org/markup-compatibility/2006">
               <mc:Choice xmlns:v="urn:schemas-microsoft-com:vml" Requires="v">
-                <p:oleObj spid="_x0000_s48185" name="Equation" r:id="rId9" imgW="2539800" imgH="787320" progId="Equation.DSMT4">
+                <p:oleObj spid="_x0000_s48190" name="Equation" r:id="rId9" imgW="2539800" imgH="787320" progId="Equation.DSMT4">
                   <p:embed/>
                 </p:oleObj>
               </mc:Choice>
@@ -4016,7 +4016,7 @@
           <a:graphicData uri="http://schemas.openxmlformats.org/presentationml/2006/ole">
             <mc:AlternateContent xmlns:mc="http://schemas.openxmlformats.org/markup-compatibility/2006">
               <mc:Choice xmlns:v="urn:schemas-microsoft-com:vml" Requires="v">
-                <p:oleObj spid="_x0000_s48186" name="Equation" r:id="rId11" imgW="2539800" imgH="787320" progId="Equation.DSMT4">
+                <p:oleObj spid="_x0000_s48191" name="Equation" r:id="rId11" imgW="2539800" imgH="787320" progId="Equation.DSMT4">
                   <p:embed/>
                 </p:oleObj>
               </mc:Choice>
@@ -4080,7 +4080,7 @@
           <a:graphicData uri="http://schemas.openxmlformats.org/presentationml/2006/ole">
             <mc:AlternateContent xmlns:mc="http://schemas.openxmlformats.org/markup-compatibility/2006">
               <mc:Choice xmlns:v="urn:schemas-microsoft-com:vml" Requires="v">
-                <p:oleObj spid="_x0000_s48187" name="Equation" r:id="rId13" imgW="3213000" imgH="787320" progId="Equation.DSMT4">
+                <p:oleObj spid="_x0000_s48192" name="Equation" r:id="rId13" imgW="3213000" imgH="787320" progId="Equation.DSMT4">
                   <p:embed/>
                 </p:oleObj>
               </mc:Choice>
@@ -4144,7 +4144,7 @@
           <a:graphicData uri="http://schemas.openxmlformats.org/presentationml/2006/ole">
             <mc:AlternateContent xmlns:mc="http://schemas.openxmlformats.org/markup-compatibility/2006">
               <mc:Choice xmlns:v="urn:schemas-microsoft-com:vml" Requires="v">
-                <p:oleObj spid="_x0000_s48188" name="Equation" r:id="rId15" imgW="2234880" imgH="685800" progId="Equation.DSMT4">
+                <p:oleObj spid="_x0000_s48193" name="Equation" r:id="rId15" imgW="2234880" imgH="685800" progId="Equation.DSMT4">
                   <p:embed/>
                 </p:oleObj>
               </mc:Choice>
@@ -4251,11 +4251,11 @@
   <p:clrMapOvr>
     <a:masterClrMapping/>
   </p:clrMapOvr>
-  <mc:AlternateContent xmlns:mc="http://schemas.openxmlformats.org/markup-compatibility/2006">
-    <mc:Choice xmlns:p14="http://schemas.microsoft.com/office/powerpoint/2010/main" Requires="p14">
+  <mc:AlternateContent xmlns:mc="http://schemas.openxmlformats.org/markup-compatibility/2006" xmlns:p14="http://schemas.microsoft.com/office/powerpoint/2010/main">
+    <mc:Choice Requires="p14">
       <p:transition p14:dur="0"/>
     </mc:Choice>
-    <mc:Fallback>
+    <mc:Fallback xmlns="">
       <p:transition/>
     </mc:Fallback>
   </mc:AlternateContent>
@@ -4286,6 +4286,52 @@
           <a:chExt cx="0" cy="0"/>
         </a:xfrm>
       </p:grpSpPr>
+      <p:sp>
+        <p:nvSpPr>
+          <p:cNvPr id="2" name="Rectangle 1"/>
+          <p:cNvSpPr/>
+          <p:nvPr/>
+        </p:nvSpPr>
+        <p:spPr>
+          <a:xfrm>
+            <a:off x="0" y="0"/>
+            <a:ext cx="9144000" cy="5143500"/>
+          </a:xfrm>
+          <a:prstGeom prst="rect">
+            <a:avLst/>
+          </a:prstGeom>
+          <a:solidFill>
+            <a:schemeClr val="bg1"/>
+          </a:solidFill>
+          <a:ln>
+            <a:noFill/>
+          </a:ln>
+        </p:spPr>
+        <p:style>
+          <a:lnRef idx="2">
+            <a:schemeClr val="accent1">
+              <a:shade val="50000"/>
+            </a:schemeClr>
+          </a:lnRef>
+          <a:fillRef idx="1">
+            <a:schemeClr val="accent1"/>
+          </a:fillRef>
+          <a:effectRef idx="0">
+            <a:schemeClr val="accent1"/>
+          </a:effectRef>
+          <a:fontRef idx="minor">
+            <a:schemeClr val="lt1"/>
+          </a:fontRef>
+        </p:style>
+        <p:txBody>
+          <a:bodyPr rtlCol="0" anchor="ctr"/>
+          <a:lstStyle/>
+          <a:p>
+            <a:pPr algn="ctr"/>
+            <a:endParaRPr lang="en-US"/>
+          </a:p>
+        </p:txBody>
+      </p:sp>
       <p:graphicFrame>
         <p:nvGraphicFramePr>
           <p:cNvPr id="14" name="Object 13"/>
@@ -4308,7 +4354,7 @@
           <a:graphicData uri="http://schemas.openxmlformats.org/presentationml/2006/ole">
             <mc:AlternateContent xmlns:mc="http://schemas.openxmlformats.org/markup-compatibility/2006">
               <mc:Choice xmlns:v="urn:schemas-microsoft-com:vml" Requires="v">
-                <p:oleObj spid="_x0000_s46179" name="Equation" r:id="rId3" imgW="3263760" imgH="1600200" progId="Equation.DSMT4">
+                <p:oleObj spid="_x0000_s46184" name="Equation" r:id="rId3" imgW="3263760" imgH="1600200" progId="Equation.DSMT4">
                   <p:embed/>
                 </p:oleObj>
               </mc:Choice>
@@ -4372,7 +4418,7 @@
           <a:graphicData uri="http://schemas.openxmlformats.org/presentationml/2006/ole">
             <mc:AlternateContent xmlns:mc="http://schemas.openxmlformats.org/markup-compatibility/2006">
               <mc:Choice xmlns:v="urn:schemas-microsoft-com:vml" Requires="v">
-                <p:oleObj spid="_x0000_s46180" name="Equation" r:id="rId5" imgW="2539800" imgH="1600200" progId="Equation.DSMT4">
+                <p:oleObj spid="_x0000_s46185" name="Equation" r:id="rId5" imgW="2539800" imgH="1600200" progId="Equation.DSMT4">
                   <p:embed/>
                 </p:oleObj>
               </mc:Choice>
@@ -4436,7 +4482,7 @@
           <a:graphicData uri="http://schemas.openxmlformats.org/presentationml/2006/ole">
             <mc:AlternateContent xmlns:mc="http://schemas.openxmlformats.org/markup-compatibility/2006">
               <mc:Choice xmlns:v="urn:schemas-microsoft-com:vml" Requires="v">
-                <p:oleObj spid="_x0000_s46181" name="Equation" r:id="rId7" imgW="3213100" imgH="1600200" progId="Equation.DSMT4">
+                <p:oleObj spid="_x0000_s46186" name="Equation" r:id="rId7" imgW="3213100" imgH="1600200" progId="Equation.DSMT4">
                   <p:embed/>
                 </p:oleObj>
               </mc:Choice>
@@ -4525,7 +4571,7 @@
           <a:graphicData uri="http://schemas.openxmlformats.org/presentationml/2006/ole">
             <mc:AlternateContent xmlns:mc="http://schemas.openxmlformats.org/markup-compatibility/2006">
               <mc:Choice xmlns:v="urn:schemas-microsoft-com:vml" Requires="v">
-                <p:oleObj spid="_x0000_s46182" name="Equation" r:id="rId9" imgW="2540000" imgH="1600200" progId="Equation.DSMT4">
+                <p:oleObj spid="_x0000_s46187" name="Equation" r:id="rId9" imgW="2540000" imgH="1600200" progId="Equation.DSMT4">
                   <p:embed/>
                 </p:oleObj>
               </mc:Choice>
@@ -4609,7 +4655,7 @@
             <a:graphicData uri="http://schemas.openxmlformats.org/presentationml/2006/ole">
               <mc:AlternateContent xmlns:mc="http://schemas.openxmlformats.org/markup-compatibility/2006">
                 <mc:Choice xmlns:v="urn:schemas-microsoft-com:vml" Requires="v">
-                  <p:oleObj spid="_x0000_s46183" name="Equation" r:id="rId11" imgW="2234880" imgH="685800" progId="Equation.DSMT4">
+                  <p:oleObj spid="_x0000_s46188" name="Equation" r:id="rId11" imgW="2234880" imgH="685800" progId="Equation.DSMT4">
                     <p:embed/>
                   </p:oleObj>
                 </mc:Choice>
@@ -4691,6 +4737,119 @@
           </p:txBody>
         </p:sp>
       </p:grpSp>
+      <p:sp>
+        <p:nvSpPr>
+          <p:cNvPr id="7" name="Rectangle 6"/>
+          <p:cNvSpPr/>
+          <p:nvPr/>
+        </p:nvSpPr>
+        <p:spPr>
+          <a:xfrm>
+            <a:off x="0" y="2626"/>
+            <a:ext cx="5010282" cy="769441"/>
+          </a:xfrm>
+          <a:prstGeom prst="rect">
+            <a:avLst/>
+          </a:prstGeom>
+          <a:noFill/>
+        </p:spPr>
+        <p:txBody>
+          <a:bodyPr wrap="none" lIns="91440" tIns="45720" rIns="91440" bIns="45720">
+            <a:spAutoFit/>
+            <a:scene3d>
+              <a:camera prst="orthographicFront"/>
+              <a:lightRig rig="flat" dir="tl">
+                <a:rot lat="0" lon="0" rev="6600000"/>
+              </a:lightRig>
+            </a:scene3d>
+            <a:sp3d extrusionH="25400" contourW="8890">
+              <a:bevelT w="38100" h="31750"/>
+              <a:contourClr>
+                <a:schemeClr val="accent2">
+                  <a:shade val="75000"/>
+                </a:schemeClr>
+              </a:contourClr>
+            </a:sp3d>
+          </a:bodyPr>
+          <a:lstStyle/>
+          <a:p>
+            <a:pPr algn="ctr"/>
+            <a:r>
+              <a:rPr lang="en-US" sz="4400" b="1" cap="none" spc="0" dirty="0" smtClean="0">
+                <a:ln w="11430"/>
+                <a:gradFill>
+                  <a:gsLst>
+                    <a:gs pos="0">
+                      <a:schemeClr val="accent2">
+                        <a:tint val="70000"/>
+                        <a:satMod val="245000"/>
+                      </a:schemeClr>
+                    </a:gs>
+                    <a:gs pos="75000">
+                      <a:schemeClr val="accent2">
+                        <a:tint val="90000"/>
+                        <a:shade val="60000"/>
+                        <a:satMod val="240000"/>
+                      </a:schemeClr>
+                    </a:gs>
+                    <a:gs pos="100000">
+                      <a:schemeClr val="accent2">
+                        <a:tint val="100000"/>
+                        <a:shade val="50000"/>
+                        <a:satMod val="240000"/>
+                      </a:schemeClr>
+                    </a:gs>
+                  </a:gsLst>
+                  <a:lin ang="5400000"/>
+                </a:gradFill>
+                <a:effectLst>
+                  <a:outerShdw blurRad="50800" dist="39000" dir="5460000" algn="tl">
+                    <a:srgbClr val="000000">
+                      <a:alpha val="38000"/>
+                    </a:srgbClr>
+                  </a:outerShdw>
+                </a:effectLst>
+              </a:rPr>
+              <a:t>EMOSA specification</a:t>
+            </a:r>
+            <a:endParaRPr lang="en-US" sz="4400" b="1" cap="none" spc="0" dirty="0">
+              <a:ln w="11430"/>
+              <a:gradFill>
+                <a:gsLst>
+                  <a:gs pos="0">
+                    <a:schemeClr val="accent2">
+                      <a:tint val="70000"/>
+                      <a:satMod val="245000"/>
+                    </a:schemeClr>
+                  </a:gs>
+                  <a:gs pos="75000">
+                    <a:schemeClr val="accent2">
+                      <a:tint val="90000"/>
+                      <a:shade val="60000"/>
+                      <a:satMod val="240000"/>
+                    </a:schemeClr>
+                  </a:gs>
+                  <a:gs pos="100000">
+                    <a:schemeClr val="accent2">
+                      <a:tint val="100000"/>
+                      <a:shade val="50000"/>
+                      <a:satMod val="240000"/>
+                    </a:schemeClr>
+                  </a:gs>
+                </a:gsLst>
+                <a:lin ang="5400000"/>
+              </a:gradFill>
+              <a:effectLst>
+                <a:outerShdw blurRad="50800" dist="39000" dir="5460000" algn="tl">
+                  <a:srgbClr val="000000">
+                    <a:alpha val="38000"/>
+                  </a:srgbClr>
+                </a:outerShdw>
+              </a:effectLst>
+            </a:endParaRPr>
+          </a:p>
+        </p:txBody>
+      </p:sp>
     </p:spTree>
     <p:extLst>
       <p:ext uri="{BB962C8B-B14F-4D97-AF65-F5344CB8AC3E}">
@@ -4701,11 +4860,11 @@
   <p:clrMapOvr>
     <a:masterClrMapping/>
   </p:clrMapOvr>
-  <mc:AlternateContent xmlns:mc="http://schemas.openxmlformats.org/markup-compatibility/2006">
-    <mc:Choice xmlns:p14="http://schemas.microsoft.com/office/powerpoint/2010/main" Requires="p14">
+  <mc:AlternateContent xmlns:mc="http://schemas.openxmlformats.org/markup-compatibility/2006" xmlns:p14="http://schemas.microsoft.com/office/powerpoint/2010/main">
+    <mc:Choice Requires="p14">
       <p:transition p14:dur="0"/>
     </mc:Choice>
-    <mc:Fallback>
+    <mc:Fallback xmlns="">
       <p:transition/>
     </mc:Fallback>
   </mc:AlternateContent>
@@ -4788,7 +4947,7 @@
           <a:graphicData uri="http://schemas.openxmlformats.org/presentationml/2006/ole">
             <mc:AlternateContent xmlns:mc="http://schemas.openxmlformats.org/markup-compatibility/2006">
               <mc:Choice xmlns:v="urn:schemas-microsoft-com:vml" Requires="v">
-                <p:oleObj spid="_x0000_s49184" name="Equation" r:id="rId4" imgW="3213000" imgH="1600200" progId="Equation.DSMT4">
+                <p:oleObj spid="_x0000_s49187" name="Equation" r:id="rId4" imgW="3213000" imgH="1600200" progId="Equation.DSMT4">
                   <p:embed/>
                 </p:oleObj>
               </mc:Choice>
@@ -4871,7 +5030,7 @@
           <a:graphicData uri="http://schemas.openxmlformats.org/presentationml/2006/ole">
             <mc:AlternateContent xmlns:mc="http://schemas.openxmlformats.org/markup-compatibility/2006">
               <mc:Choice xmlns:v="urn:schemas-microsoft-com:vml" Requires="v">
-                <p:oleObj spid="_x0000_s49185" name="Equation" r:id="rId6" imgW="2539800" imgH="1600200" progId="Equation.DSMT4">
+                <p:oleObj spid="_x0000_s49188" name="Equation" r:id="rId6" imgW="2539800" imgH="1600200" progId="Equation.DSMT4">
                   <p:embed/>
                 </p:oleObj>
               </mc:Choice>
@@ -4949,7 +5108,7 @@
             <a:graphicData uri="http://schemas.openxmlformats.org/presentationml/2006/ole">
               <mc:AlternateContent xmlns:mc="http://schemas.openxmlformats.org/markup-compatibility/2006">
                 <mc:Choice xmlns:v="urn:schemas-microsoft-com:vml" Requires="v">
-                  <p:oleObj spid="_x0000_s49186" name="Equation" r:id="rId8" imgW="2234880" imgH="685800" progId="Equation.DSMT4">
+                  <p:oleObj spid="_x0000_s49189" name="Equation" r:id="rId8" imgW="2234880" imgH="685800" progId="Equation.DSMT4">
                     <p:embed/>
                   </p:oleObj>
                 </mc:Choice>
@@ -5041,11 +5200,11 @@
   <p:clrMapOvr>
     <a:masterClrMapping/>
   </p:clrMapOvr>
-  <mc:AlternateContent xmlns:mc="http://schemas.openxmlformats.org/markup-compatibility/2006">
-    <mc:Choice xmlns:p14="http://schemas.microsoft.com/office/powerpoint/2010/main" Requires="p14">
+  <mc:AlternateContent xmlns:mc="http://schemas.openxmlformats.org/markup-compatibility/2006" xmlns:p14="http://schemas.microsoft.com/office/powerpoint/2010/main">
+    <mc:Choice Requires="p14">
       <p:transition p14:dur="0"/>
     </mc:Choice>
-    <mc:Fallback>
+    <mc:Fallback xmlns="">
       <p:transition/>
     </mc:Fallback>
   </mc:AlternateContent>
@@ -5188,7 +5347,7 @@
           <a:graphicData uri="http://schemas.openxmlformats.org/presentationml/2006/ole">
             <mc:AlternateContent xmlns:mc="http://schemas.openxmlformats.org/markup-compatibility/2006">
               <mc:Choice xmlns:v="urn:schemas-microsoft-com:vml" Requires="v">
-                <p:oleObj spid="_x0000_s50201" name="Equation" r:id="rId6" imgW="3263760" imgH="787320" progId="Equation.DSMT4">
+                <p:oleObj spid="_x0000_s50206" name="Equation" r:id="rId6" imgW="3263760" imgH="787320" progId="Equation.DSMT4">
                   <p:embed/>
                 </p:oleObj>
               </mc:Choice>
@@ -5258,7 +5417,7 @@
           <a:graphicData uri="http://schemas.openxmlformats.org/presentationml/2006/ole">
             <mc:AlternateContent xmlns:mc="http://schemas.openxmlformats.org/markup-compatibility/2006">
               <mc:Choice xmlns:v="urn:schemas-microsoft-com:vml" Requires="v">
-                <p:oleObj spid="_x0000_s50202" name="Equation" r:id="rId8" imgW="2539800" imgH="787320" progId="Equation.DSMT4">
+                <p:oleObj spid="_x0000_s50207" name="Equation" r:id="rId8" imgW="2539800" imgH="787320" progId="Equation.DSMT4">
                   <p:embed/>
                 </p:oleObj>
               </mc:Choice>
@@ -5328,7 +5487,7 @@
           <a:graphicData uri="http://schemas.openxmlformats.org/presentationml/2006/ole">
             <mc:AlternateContent xmlns:mc="http://schemas.openxmlformats.org/markup-compatibility/2006">
               <mc:Choice xmlns:v="urn:schemas-microsoft-com:vml" Requires="v">
-                <p:oleObj spid="_x0000_s50203" name="Equation" r:id="rId10" imgW="2539800" imgH="787320" progId="Equation.DSMT4">
+                <p:oleObj spid="_x0000_s50208" name="Equation" r:id="rId10" imgW="2539800" imgH="787320" progId="Equation.DSMT4">
                   <p:embed/>
                 </p:oleObj>
               </mc:Choice>
@@ -5398,7 +5557,7 @@
           <a:graphicData uri="http://schemas.openxmlformats.org/presentationml/2006/ole">
             <mc:AlternateContent xmlns:mc="http://schemas.openxmlformats.org/markup-compatibility/2006">
               <mc:Choice xmlns:v="urn:schemas-microsoft-com:vml" Requires="v">
-                <p:oleObj spid="_x0000_s50204" name="Equation" r:id="rId12" imgW="3213000" imgH="787320" progId="Equation.DSMT4">
+                <p:oleObj spid="_x0000_s50209" name="Equation" r:id="rId12" imgW="3213000" imgH="787320" progId="Equation.DSMT4">
                   <p:embed/>
                 </p:oleObj>
               </mc:Choice>
@@ -5572,7 +5731,7 @@
             <a:graphicData uri="http://schemas.openxmlformats.org/presentationml/2006/ole">
               <mc:AlternateContent xmlns:mc="http://schemas.openxmlformats.org/markup-compatibility/2006">
                 <mc:Choice xmlns:v="urn:schemas-microsoft-com:vml" Requires="v">
-                  <p:oleObj spid="_x0000_s50205" name="Equation" r:id="rId17" imgW="2234880" imgH="685800" progId="Equation.DSMT4">
+                  <p:oleObj spid="_x0000_s50210" name="Equation" r:id="rId17" imgW="2234880" imgH="685800" progId="Equation.DSMT4">
                     <p:embed/>
                   </p:oleObj>
                 </mc:Choice>
@@ -5664,11 +5823,11 @@
   <p:clrMapOvr>
     <a:masterClrMapping/>
   </p:clrMapOvr>
-  <mc:AlternateContent xmlns:mc="http://schemas.openxmlformats.org/markup-compatibility/2006">
-    <mc:Choice xmlns:p14="http://schemas.microsoft.com/office/powerpoint/2010/main" Requires="p14">
+  <mc:AlternateContent xmlns:mc="http://schemas.openxmlformats.org/markup-compatibility/2006" xmlns:p14="http://schemas.microsoft.com/office/powerpoint/2010/main">
+    <mc:Choice Requires="p14">
       <p:transition p14:dur="0"/>
     </mc:Choice>
-    <mc:Fallback>
+    <mc:Fallback xmlns="">
       <p:transition/>
     </mc:Fallback>
   </mc:AlternateContent>
@@ -6288,11 +6447,11 @@
   <p:clrMapOvr>
     <a:masterClrMapping/>
   </p:clrMapOvr>
-  <mc:AlternateContent xmlns:mc="http://schemas.openxmlformats.org/markup-compatibility/2006">
-    <mc:Choice xmlns:p14="http://schemas.microsoft.com/office/powerpoint/2010/main" Requires="p14">
+  <mc:AlternateContent xmlns:mc="http://schemas.openxmlformats.org/markup-compatibility/2006" xmlns:p14="http://schemas.microsoft.com/office/powerpoint/2010/main">
+    <mc:Choice Requires="p14">
       <p:transition p14:dur="0"/>
     </mc:Choice>
-    <mc:Fallback>
+    <mc:Fallback xmlns="">
       <p:transition/>
     </mc:Fallback>
   </mc:AlternateContent>
@@ -6345,7 +6504,7 @@
           <a:graphicData uri="http://schemas.openxmlformats.org/presentationml/2006/ole">
             <mc:AlternateContent xmlns:mc="http://schemas.openxmlformats.org/markup-compatibility/2006">
               <mc:Choice xmlns:v="urn:schemas-microsoft-com:vml" Requires="v">
-                <p:oleObj spid="_x0000_s51212" name="Equation" r:id="rId3" imgW="3263760" imgH="1600200" progId="Equation.DSMT4">
+                <p:oleObj spid="_x0000_s51217" name="Equation" r:id="rId3" imgW="3263760" imgH="1600200" progId="Equation.DSMT4">
                   <p:embed/>
                 </p:oleObj>
               </mc:Choice>
@@ -6409,7 +6568,7 @@
           <a:graphicData uri="http://schemas.openxmlformats.org/presentationml/2006/ole">
             <mc:AlternateContent xmlns:mc="http://schemas.openxmlformats.org/markup-compatibility/2006">
               <mc:Choice xmlns:v="urn:schemas-microsoft-com:vml" Requires="v">
-                <p:oleObj spid="_x0000_s51213" name="Equation" r:id="rId5" imgW="2539800" imgH="1600200" progId="Equation.DSMT4">
+                <p:oleObj spid="_x0000_s51218" name="Equation" r:id="rId5" imgW="2539800" imgH="1600200" progId="Equation.DSMT4">
                   <p:embed/>
                 </p:oleObj>
               </mc:Choice>
@@ -6473,7 +6632,7 @@
           <a:graphicData uri="http://schemas.openxmlformats.org/presentationml/2006/ole">
             <mc:AlternateContent xmlns:mc="http://schemas.openxmlformats.org/markup-compatibility/2006">
               <mc:Choice xmlns:v="urn:schemas-microsoft-com:vml" Requires="v">
-                <p:oleObj spid="_x0000_s51214" name="Equation" r:id="rId7" imgW="3213100" imgH="1600200" progId="Equation.DSMT4">
+                <p:oleObj spid="_x0000_s51219" name="Equation" r:id="rId7" imgW="3213100" imgH="1600200" progId="Equation.DSMT4">
                   <p:embed/>
                 </p:oleObj>
               </mc:Choice>
@@ -6562,7 +6721,7 @@
           <a:graphicData uri="http://schemas.openxmlformats.org/presentationml/2006/ole">
             <mc:AlternateContent xmlns:mc="http://schemas.openxmlformats.org/markup-compatibility/2006">
               <mc:Choice xmlns:v="urn:schemas-microsoft-com:vml" Requires="v">
-                <p:oleObj spid="_x0000_s51215" name="Equation" r:id="rId9" imgW="2540000" imgH="1600200" progId="Equation.DSMT4">
+                <p:oleObj spid="_x0000_s51220" name="Equation" r:id="rId9" imgW="2540000" imgH="1600200" progId="Equation.DSMT4">
                   <p:embed/>
                 </p:oleObj>
               </mc:Choice>
@@ -6646,7 +6805,7 @@
             <a:graphicData uri="http://schemas.openxmlformats.org/presentationml/2006/ole">
               <mc:AlternateContent xmlns:mc="http://schemas.openxmlformats.org/markup-compatibility/2006">
                 <mc:Choice xmlns:v="urn:schemas-microsoft-com:vml" Requires="v">
-                  <p:oleObj spid="_x0000_s51216" name="Equation" r:id="rId11" imgW="2234880" imgH="685800" progId="Equation.DSMT4">
+                  <p:oleObj spid="_x0000_s51221" name="Equation" r:id="rId11" imgW="2234880" imgH="685800" progId="Equation.DSMT4">
                     <p:embed/>
                   </p:oleObj>
                 </mc:Choice>
@@ -6738,11 +6897,11 @@
   <p:clrMapOvr>
     <a:masterClrMapping/>
   </p:clrMapOvr>
-  <mc:AlternateContent xmlns:mc="http://schemas.openxmlformats.org/markup-compatibility/2006">
-    <mc:Choice xmlns:p14="http://schemas.microsoft.com/office/powerpoint/2010/main" Requires="p14">
+  <mc:AlternateContent xmlns:mc="http://schemas.openxmlformats.org/markup-compatibility/2006" xmlns:p14="http://schemas.microsoft.com/office/powerpoint/2010/main">
+    <mc:Choice Requires="p14">
       <p:transition p14:dur="0"/>
     </mc:Choice>
-    <mc:Fallback>
+    <mc:Fallback xmlns="">
       <p:transition/>
     </mc:Fallback>
   </mc:AlternateContent>
@@ -6825,7 +6984,7 @@
           <a:graphicData uri="http://schemas.openxmlformats.org/presentationml/2006/ole">
             <mc:AlternateContent xmlns:mc="http://schemas.openxmlformats.org/markup-compatibility/2006">
               <mc:Choice xmlns:v="urn:schemas-microsoft-com:vml" Requires="v">
-                <p:oleObj spid="_x0000_s38967" name="Equation" r:id="rId4" imgW="3111480" imgH="1396800" progId="Equation.DSMT4">
+                <p:oleObj spid="_x0000_s38971" name="Equation" r:id="rId4" imgW="3111480" imgH="1396800" progId="Equation.DSMT4">
                   <p:embed/>
                 </p:oleObj>
               </mc:Choice>
@@ -6882,7 +7041,7 @@
           <a:graphicData uri="http://schemas.openxmlformats.org/presentationml/2006/ole">
             <mc:AlternateContent xmlns:mc="http://schemas.openxmlformats.org/markup-compatibility/2006">
               <mc:Choice xmlns:v="urn:schemas-microsoft-com:vml" Requires="v">
-                <p:oleObj spid="_x0000_s38968" name="Equation" r:id="rId6" imgW="2755800" imgH="2311200" progId="Equation.DSMT4">
+                <p:oleObj spid="_x0000_s38972" name="Equation" r:id="rId6" imgW="2755800" imgH="2311200" progId="Equation.DSMT4">
                   <p:embed/>
                 </p:oleObj>
               </mc:Choice>
@@ -6946,7 +7105,7 @@
           <a:graphicData uri="http://schemas.openxmlformats.org/presentationml/2006/ole">
             <mc:AlternateContent xmlns:mc="http://schemas.openxmlformats.org/markup-compatibility/2006">
               <mc:Choice xmlns:v="urn:schemas-microsoft-com:vml" Requires="v">
-                <p:oleObj spid="_x0000_s38969" name="Equation" r:id="rId8" imgW="2857320" imgH="888840" progId="Equation.DSMT4">
+                <p:oleObj spid="_x0000_s38973" name="Equation" r:id="rId8" imgW="2857320" imgH="888840" progId="Equation.DSMT4">
                   <p:embed/>
                 </p:oleObj>
               </mc:Choice>
@@ -7033,7 +7192,7 @@
           <a:graphicData uri="http://schemas.openxmlformats.org/presentationml/2006/ole">
             <mc:AlternateContent xmlns:mc="http://schemas.openxmlformats.org/markup-compatibility/2006">
               <mc:Choice xmlns:v="urn:schemas-microsoft-com:vml" Requires="v">
-                <p:oleObj spid="_x0000_s38970" name="Equation" r:id="rId11" imgW="2197080" imgH="1854000" progId="Equation.DSMT4">
+                <p:oleObj spid="_x0000_s38974" name="Equation" r:id="rId11" imgW="2197080" imgH="1854000" progId="Equation.DSMT4">
                   <p:embed/>
                 </p:oleObj>
               </mc:Choice>
@@ -7220,11 +7379,11 @@
   <p:clrMapOvr>
     <a:masterClrMapping/>
   </p:clrMapOvr>
-  <mc:AlternateContent xmlns:mc="http://schemas.openxmlformats.org/markup-compatibility/2006">
-    <mc:Choice xmlns:p14="http://schemas.microsoft.com/office/powerpoint/2010/main" Requires="p14">
+  <mc:AlternateContent xmlns:mc="http://schemas.openxmlformats.org/markup-compatibility/2006" xmlns:p14="http://schemas.microsoft.com/office/powerpoint/2010/main">
+    <mc:Choice Requires="p14">
       <p:transition p14:dur="0"/>
     </mc:Choice>
-    <mc:Fallback>
+    <mc:Fallback xmlns="">
       <p:transition/>
     </mc:Fallback>
   </mc:AlternateContent>
@@ -16413,11 +16572,11 @@
   <p:clrMapOvr>
     <a:masterClrMapping/>
   </p:clrMapOvr>
-  <mc:AlternateContent xmlns:mc="http://schemas.openxmlformats.org/markup-compatibility/2006">
-    <mc:Choice xmlns:p14="http://schemas.microsoft.com/office/powerpoint/2010/main" Requires="p14">
+  <mc:AlternateContent xmlns:mc="http://schemas.openxmlformats.org/markup-compatibility/2006" xmlns:p14="http://schemas.microsoft.com/office/powerpoint/2010/main">
+    <mc:Choice Requires="p14">
       <p:transition p14:dur="0"/>
     </mc:Choice>
-    <mc:Fallback>
+    <mc:Fallback xmlns="">
       <p:transition/>
     </mc:Fallback>
   </mc:AlternateContent>
@@ -16744,11 +16903,11 @@
   <p:clrMapOvr>
     <a:masterClrMapping/>
   </p:clrMapOvr>
-  <mc:AlternateContent xmlns:mc="http://schemas.openxmlformats.org/markup-compatibility/2006">
-    <mc:Choice xmlns:p14="http://schemas.microsoft.com/office/powerpoint/2010/main" Requires="p14">
+  <mc:AlternateContent xmlns:mc="http://schemas.openxmlformats.org/markup-compatibility/2006" xmlns:p14="http://schemas.microsoft.com/office/powerpoint/2010/main">
+    <mc:Choice Requires="p14">
       <p:transition p14:dur="0"/>
     </mc:Choice>
-    <mc:Fallback>
+    <mc:Fallback xmlns="">
       <p:transition/>
     </mc:Fallback>
   </mc:AlternateContent>
@@ -17075,11 +17234,11 @@
   <p:clrMapOvr>
     <a:masterClrMapping/>
   </p:clrMapOvr>
-  <mc:AlternateContent xmlns:mc="http://schemas.openxmlformats.org/markup-compatibility/2006">
-    <mc:Choice xmlns:p14="http://schemas.microsoft.com/office/powerpoint/2010/main" Requires="p14">
+  <mc:AlternateContent xmlns:mc="http://schemas.openxmlformats.org/markup-compatibility/2006" xmlns:p14="http://schemas.microsoft.com/office/powerpoint/2010/main">
+    <mc:Choice Requires="p14">
       <p:transition p14:dur="0"/>
     </mc:Choice>
-    <mc:Fallback>
+    <mc:Fallback xmlns="">
       <p:transition/>
     </mc:Fallback>
   </mc:AlternateContent>
@@ -17150,11 +17309,11 @@
   <p:clrMapOvr>
     <a:masterClrMapping/>
   </p:clrMapOvr>
-  <mc:AlternateContent xmlns:mc="http://schemas.openxmlformats.org/markup-compatibility/2006">
-    <mc:Choice xmlns:p14="http://schemas.microsoft.com/office/powerpoint/2010/main" Requires="p14">
+  <mc:AlternateContent xmlns:mc="http://schemas.openxmlformats.org/markup-compatibility/2006" xmlns:p14="http://schemas.microsoft.com/office/powerpoint/2010/main">
+    <mc:Choice Requires="p14">
       <p:transition p14:dur="0"/>
     </mc:Choice>
-    <mc:Fallback>
+    <mc:Fallback xmlns="">
       <p:transition/>
     </mc:Fallback>
   </mc:AlternateContent>
@@ -17225,11 +17384,11 @@
   <p:clrMapOvr>
     <a:masterClrMapping/>
   </p:clrMapOvr>
-  <mc:AlternateContent xmlns:mc="http://schemas.openxmlformats.org/markup-compatibility/2006">
-    <mc:Choice xmlns:p14="http://schemas.microsoft.com/office/powerpoint/2010/main" Requires="p14">
+  <mc:AlternateContent xmlns:mc="http://schemas.openxmlformats.org/markup-compatibility/2006" xmlns:p14="http://schemas.microsoft.com/office/powerpoint/2010/main">
+    <mc:Choice Requires="p14">
       <p:transition p14:dur="0"/>
     </mc:Choice>
-    <mc:Fallback>
+    <mc:Fallback xmlns="">
       <p:transition/>
     </mc:Fallback>
   </mc:AlternateContent>
